--- a/Devoxx 2018/Hands-on lab/slides.pptx
+++ b/Devoxx 2018/Hands-on lab/slides.pptx
@@ -414,7 +414,7 @@
           <a:p>
             <a:fld id="{036B6E09-9C2B-44B7-B717-5B59B8CD4D93}" type="datetimeFigureOut">
               <a:rPr lang="fr-FR" smtClean="0"/>
-              <a:t>16/04/2018</a:t>
+              <a:t>17/04/2018</a:t>
             </a:fld>
             <a:endParaRPr lang="fr-FR"/>
           </a:p>
@@ -871,7 +871,7 @@
           </a:ln>
           <a:extLst>
             <a:ext uri="{C572A759-6A51-4108-AA02-DFA0A04FC94B}">
-              <ma14:wrappingTextBoxFlag xmlns:ma14="http://schemas.microsoft.com/office/mac/drawingml/2011/main" xmlns="" val="1"/>
+              <ma14:wrappingTextBoxFlag xmlns="" xmlns:ma14="http://schemas.microsoft.com/office/mac/drawingml/2011/main" val="1"/>
             </a:ext>
           </a:extLst>
         </p:spPr>
@@ -1014,7 +1014,7 @@
           </a:ln>
           <a:extLst>
             <a:ext uri="{C572A759-6A51-4108-AA02-DFA0A04FC94B}">
-              <ma14:wrappingTextBoxFlag xmlns:ma14="http://schemas.microsoft.com/office/mac/drawingml/2011/main" xmlns="" val="1"/>
+              <ma14:wrappingTextBoxFlag xmlns="" xmlns:ma14="http://schemas.microsoft.com/office/mac/drawingml/2011/main" val="1"/>
             </a:ext>
           </a:extLst>
         </p:spPr>
@@ -1068,7 +1068,7 @@
           </a:ln>
           <a:extLst>
             <a:ext uri="{C572A759-6A51-4108-AA02-DFA0A04FC94B}">
-              <ma14:wrappingTextBoxFlag xmlns:ma14="http://schemas.microsoft.com/office/mac/drawingml/2011/main" xmlns="" val="1"/>
+              <ma14:wrappingTextBoxFlag xmlns="" xmlns:ma14="http://schemas.microsoft.com/office/mac/drawingml/2011/main" val="1"/>
             </a:ext>
           </a:extLst>
         </p:spPr>
@@ -1127,7 +1127,7 @@
           </a:ln>
           <a:extLst>
             <a:ext uri="{C572A759-6A51-4108-AA02-DFA0A04FC94B}">
-              <ma14:wrappingTextBoxFlag xmlns:ma14="http://schemas.microsoft.com/office/mac/drawingml/2011/main" xmlns="" val="1"/>
+              <ma14:wrappingTextBoxFlag xmlns="" xmlns:ma14="http://schemas.microsoft.com/office/mac/drawingml/2011/main" val="1"/>
             </a:ext>
           </a:extLst>
         </p:spPr>
@@ -2116,7 +2116,7 @@
           </p:cNvPicPr>
           <p:nvPr/>
         </p:nvPicPr>
-        <p:blipFill>
+        <p:blipFill rotWithShape="1">
           <a:blip r:embed="rId2" cstate="print">
             <a:extLst>
               <a:ext uri="{28A0092B-C50C-407E-A947-70E740481C1C}">
@@ -2124,14 +2124,13 @@
               </a:ext>
             </a:extLst>
           </a:blip>
-          <a:stretch>
-            <a:fillRect/>
-          </a:stretch>
+          <a:srcRect l="15150" r="21369" b="50256"/>
+          <a:stretch/>
         </p:blipFill>
         <p:spPr>
           <a:xfrm>
-            <a:off x="4771992" y="160422"/>
-            <a:ext cx="17739941" cy="12544926"/>
+            <a:off x="3446702" y="529391"/>
+            <a:ext cx="19686016" cy="10908631"/>
           </a:xfrm>
           <a:prstGeom prst="rect">
             <a:avLst/>
